--- a/2026-Q1/Righteousness3/2026-01-18-Righteous-3.pptx
+++ b/2026-Q1/Righteousness3/2026-01-18-Righteous-3.pptx
@@ -2100,34 +2100,28 @@
             </a:r>
           </a:p>
           <a:p>
-            <a:r>
-              <a:rPr lang="en-US" sz="1400" dirty="0"/>
-              <a:t> </a:t>
-            </a:r>
-          </a:p>
-          <a:p>
-            <a:pPr rtl="0" fontAlgn="ctr"/>
+            <a:pPr lvl="1" rtl="0" fontAlgn="ctr"/>
             <a:r>
               <a:rPr lang="en-US" sz="1400" dirty="0"/>
               <a:t>from law to life</a:t>
             </a:r>
           </a:p>
           <a:p>
-            <a:pPr rtl="0" fontAlgn="ctr"/>
+            <a:pPr lvl="1" rtl="0" fontAlgn="ctr"/>
             <a:r>
               <a:rPr lang="en-US" sz="1400" dirty="0"/>
               <a:t>from fear to faith</a:t>
             </a:r>
           </a:p>
           <a:p>
-            <a:pPr rtl="0" fontAlgn="ctr"/>
+            <a:pPr lvl="1" rtl="0" fontAlgn="ctr"/>
             <a:r>
               <a:rPr lang="en-US" sz="1400" dirty="0"/>
               <a:t>from performance to promise</a:t>
             </a:r>
           </a:p>
           <a:p>
-            <a:pPr rtl="0" fontAlgn="ctr"/>
+            <a:pPr lvl="1" rtl="0" fontAlgn="ctr"/>
             <a:r>
               <a:rPr lang="en-US" sz="1400" dirty="0"/>
               <a:t>from system to Spirit</a:t>
@@ -2142,19 +2136,10 @@
           <a:p>
             <a:r>
               <a:rPr lang="en-US" sz="1400" b="1" dirty="0"/>
-              <a:t>2 Corinthians 3:17</a:t>
-            </a:r>
-            <a:endParaRPr lang="en-US" sz="1400" dirty="0"/>
-          </a:p>
-          <a:p>
-            <a:r>
-              <a:rPr lang="en-US" sz="1400" dirty="0"/>
-              <a:t> </a:t>
-            </a:r>
-          </a:p>
-          <a:p>
-            <a:r>
-              <a:rPr lang="en-US" sz="1400" dirty="0"/>
+              <a:t>2 Corinthians 3:17  </a:t>
+            </a:r>
+            <a:r>
+              <a:rPr lang="en-US" sz="1400" i="1" dirty="0"/>
               <a:t>“Now the Lord is the Spirit, and where the Spirit of the Lord is present, there is freedom.”</a:t>
             </a:r>
           </a:p>
@@ -9418,6 +9403,202 @@
                 <a:cs typeface="ＭＳ Ｐゴシック" pitchFamily="-106" charset="-128"/>
               </a:rPr>
               <a:t>How Grace Dismantles Fear-Based Systems in the New Testament</a:t>
+            </a:r>
+          </a:p>
+        </p:txBody>
+      </p:sp>
+      <p:sp>
+        <p:nvSpPr>
+          <p:cNvPr id="3" name="TextBox 2">
+            <a:extLst>
+              <a:ext uri="{FF2B5EF4-FFF2-40B4-BE49-F238E27FC236}">
+                <a16:creationId xmlns:a16="http://schemas.microsoft.com/office/drawing/2014/main" id="{98896F1E-1580-B7E3-8586-1B1C1AFBFB17}"/>
+              </a:ext>
+            </a:extLst>
+          </p:cNvPr>
+          <p:cNvSpPr txBox="1"/>
+          <p:nvPr/>
+        </p:nvSpPr>
+        <p:spPr>
+          <a:xfrm>
+            <a:off x="233362" y="990600"/>
+            <a:ext cx="8682038" cy="5355312"/>
+          </a:xfrm>
+          <a:prstGeom prst="rect">
+            <a:avLst/>
+          </a:prstGeom>
+          <a:noFill/>
+        </p:spPr>
+        <p:txBody>
+          <a:bodyPr wrap="square">
+            <a:spAutoFit/>
+          </a:bodyPr>
+          <a:lstStyle/>
+          <a:p>
+            <a:r>
+              <a:rPr lang="en-US" sz="1800" b="1" dirty="0"/>
+              <a:t>Apostolic Pattern: From System to Life</a:t>
+            </a:r>
+            <a:endParaRPr lang="en-US" sz="1800" dirty="0"/>
+          </a:p>
+          <a:p>
+            <a:pPr lvl="1"/>
+            <a:r>
+              <a:rPr lang="en-US" dirty="0"/>
+              <a:t>Every New Testament shift follows this pattern:</a:t>
+            </a:r>
+          </a:p>
+          <a:p>
+            <a:pPr marL="742950" lvl="1" indent="-285750" fontAlgn="ctr">
+              <a:buFont typeface="Wingdings" panose="05000000000000000000" pitchFamily="2" charset="2"/>
+              <a:buChar char="Ø"/>
+            </a:pPr>
+            <a:r>
+              <a:rPr lang="en-US" dirty="0"/>
+              <a:t>from law to life</a:t>
+            </a:r>
+          </a:p>
+          <a:p>
+            <a:pPr marL="742950" lvl="1" indent="-285750" fontAlgn="ctr">
+              <a:buFont typeface="Wingdings" panose="05000000000000000000" pitchFamily="2" charset="2"/>
+              <a:buChar char="Ø"/>
+            </a:pPr>
+            <a:r>
+              <a:rPr lang="en-US" dirty="0"/>
+              <a:t>from fear to faith</a:t>
+            </a:r>
+          </a:p>
+          <a:p>
+            <a:pPr marL="742950" lvl="1" indent="-285750" fontAlgn="ctr">
+              <a:buFont typeface="Wingdings" panose="05000000000000000000" pitchFamily="2" charset="2"/>
+              <a:buChar char="Ø"/>
+            </a:pPr>
+            <a:r>
+              <a:rPr lang="en-US" dirty="0"/>
+              <a:t>from performance to promise</a:t>
+            </a:r>
+          </a:p>
+          <a:p>
+            <a:pPr marL="742950" lvl="1" indent="-285750" fontAlgn="ctr">
+              <a:buFont typeface="Wingdings" panose="05000000000000000000" pitchFamily="2" charset="2"/>
+              <a:buChar char="Ø"/>
+            </a:pPr>
+            <a:r>
+              <a:rPr lang="en-US" dirty="0"/>
+              <a:t>from system to Spirit</a:t>
+            </a:r>
+          </a:p>
+          <a:p>
+            <a:r>
+              <a:rPr lang="en-US" sz="1800" dirty="0"/>
+              <a:t> </a:t>
+            </a:r>
+            <a:endParaRPr lang="en-US" dirty="0"/>
+          </a:p>
+          <a:p>
+            <a:r>
+              <a:rPr lang="en-US" b="1" dirty="0"/>
+              <a:t>2 Corinthians 3:17  </a:t>
+            </a:r>
+            <a:r>
+              <a:rPr lang="en-US" i="1" dirty="0"/>
+              <a:t>“Now the Lord is the Spirit, and </a:t>
+            </a:r>
+            <a:r>
+              <a:rPr lang="en-US" i="1" u="sng" dirty="0"/>
+              <a:t>where the Spirit of the Lord is present, there is freedom</a:t>
+            </a:r>
+            <a:r>
+              <a:rPr lang="en-US" i="1" dirty="0"/>
+              <a:t>.”</a:t>
+            </a:r>
+          </a:p>
+          <a:p>
+            <a:endParaRPr lang="en-US" sz="1800" dirty="0"/>
+          </a:p>
+          <a:p>
+            <a:r>
+              <a:rPr lang="en-US" b="1" dirty="0"/>
+              <a:t>Lesson Abstract</a:t>
+            </a:r>
+            <a:endParaRPr lang="en-US" dirty="0"/>
+          </a:p>
+          <a:p>
+            <a:pPr marL="742950" lvl="1" indent="-285750">
+              <a:buFont typeface="Wingdings" panose="05000000000000000000" pitchFamily="2" charset="2"/>
+              <a:buChar char="Ø"/>
+            </a:pPr>
+            <a:r>
+              <a:rPr lang="en-US" dirty="0"/>
+              <a:t>Fear builds systems to protect identity.</a:t>
+            </a:r>
+          </a:p>
+          <a:p>
+            <a:pPr marL="742950" lvl="1" indent="-285750">
+              <a:buFont typeface="Wingdings" panose="05000000000000000000" pitchFamily="2" charset="2"/>
+              <a:buChar char="Ø"/>
+            </a:pPr>
+            <a:r>
+              <a:rPr lang="en-US" dirty="0"/>
+              <a:t>Grace reveals identity so systems are no longer needed.</a:t>
+            </a:r>
+          </a:p>
+          <a:p>
+            <a:pPr lvl="1"/>
+            <a:r>
+              <a:rPr lang="en-US" dirty="0"/>
+              <a:t> </a:t>
+            </a:r>
+          </a:p>
+          <a:p>
+            <a:pPr lvl="2"/>
+            <a:r>
+              <a:rPr lang="en-US" dirty="0"/>
+              <a:t>Fear asks: </a:t>
+            </a:r>
+            <a:r>
+              <a:rPr lang="en-US" i="1" dirty="0"/>
+              <a:t>Am I safe?</a:t>
+            </a:r>
+            <a:endParaRPr lang="en-US" dirty="0"/>
+          </a:p>
+          <a:p>
+            <a:pPr lvl="2"/>
+            <a:r>
+              <a:rPr lang="en-US" dirty="0"/>
+              <a:t>Grace answers: </a:t>
+            </a:r>
+            <a:r>
+              <a:rPr lang="en-US" i="1" dirty="0"/>
+              <a:t>You are mine.</a:t>
+            </a:r>
+            <a:endParaRPr lang="en-US" dirty="0"/>
+          </a:p>
+          <a:p>
+            <a:pPr lvl="1"/>
+            <a:r>
+              <a:rPr lang="en-US" dirty="0"/>
+              <a:t> </a:t>
+            </a:r>
+          </a:p>
+          <a:p>
+            <a:pPr marL="742950" lvl="1" indent="-285750">
+              <a:buFont typeface="Wingdings" panose="05000000000000000000" pitchFamily="2" charset="2"/>
+              <a:buChar char="Ø"/>
+            </a:pPr>
+            <a:r>
+              <a:rPr lang="en-US" dirty="0"/>
+              <a:t>And once that is settled,</a:t>
+            </a:r>
+          </a:p>
+          <a:p>
+            <a:pPr marL="742950" lvl="1" indent="-285750">
+              <a:buFont typeface="Wingdings" panose="05000000000000000000" pitchFamily="2" charset="2"/>
+              <a:buChar char="Ø"/>
+            </a:pPr>
+            <a:r>
+              <a:rPr lang="en-US" dirty="0"/>
+              <a:t>righteousness no longer needs to be managed.</a:t>
             </a:r>
           </a:p>
         </p:txBody>

--- a/2026-Q1/Righteousness3/2026-01-18-Righteous-3.pptx
+++ b/2026-Q1/Righteousness3/2026-01-18-Righteous-3.pptx
@@ -285,7 +285,7 @@
               <a:pPr>
                 <a:defRPr/>
               </a:pPr>
-              <a:t>1/17/2026</a:t>
+              <a:t>1/21/2026</a:t>
             </a:fld>
             <a:endParaRPr lang="en-US"/>
           </a:p>
@@ -9530,7 +9530,7 @@
             </a:pPr>
             <a:r>
               <a:rPr lang="en-US" dirty="0"/>
-              <a:t>Fear builds systems to protect identity.</a:t>
+              <a:t>Fear builds systems to protect cultural identity.</a:t>
             </a:r>
           </a:p>
           <a:p>
